--- a/NTU Real-Time Bus ID Verification and Tracking.pptx
+++ b/NTU Real-Time Bus ID Verification and Tracking.pptx
@@ -12,8 +12,9 @@
     <p:sldId id="261" r:id="rId6"/>
     <p:sldId id="265" r:id="rId7"/>
     <p:sldId id="262" r:id="rId8"/>
-    <p:sldId id="263" r:id="rId9"/>
-    <p:sldId id="264" r:id="rId10"/>
+    <p:sldId id="266" r:id="rId9"/>
+    <p:sldId id="263" r:id="rId10"/>
+    <p:sldId id="264" r:id="rId11"/>
   </p:sldIdLst>
   <p:sldSz cx="9144000" cy="6858000" type="screen4x3"/>
   <p:notesSz cx="6858000" cy="9144000"/>
@@ -312,7 +313,7 @@
           <a:p>
             <a:fld id="{5BCAD085-E8A6-8845-BD4E-CB4CCA059FC4}" type="datetimeFigureOut">
               <a:rPr lang="en-US" smtClean="0"/>
-              <a:t>21/10/2024</a:t>
+              <a:t>23/10/2024</a:t>
             </a:fld>
             <a:endParaRPr lang="en-US"/>
           </a:p>
@@ -482,7 +483,7 @@
           <a:p>
             <a:fld id="{5BCAD085-E8A6-8845-BD4E-CB4CCA059FC4}" type="datetimeFigureOut">
               <a:rPr lang="en-US" smtClean="0"/>
-              <a:t>21/10/2024</a:t>
+              <a:t>23/10/2024</a:t>
             </a:fld>
             <a:endParaRPr lang="en-US"/>
           </a:p>
@@ -662,7 +663,7 @@
           <a:p>
             <a:fld id="{5BCAD085-E8A6-8845-BD4E-CB4CCA059FC4}" type="datetimeFigureOut">
               <a:rPr lang="en-US" smtClean="0"/>
-              <a:t>21/10/2024</a:t>
+              <a:t>23/10/2024</a:t>
             </a:fld>
             <a:endParaRPr lang="en-US"/>
           </a:p>
@@ -832,7 +833,7 @@
           <a:p>
             <a:fld id="{5BCAD085-E8A6-8845-BD4E-CB4CCA059FC4}" type="datetimeFigureOut">
               <a:rPr lang="en-US" smtClean="0"/>
-              <a:t>21/10/2024</a:t>
+              <a:t>23/10/2024</a:t>
             </a:fld>
             <a:endParaRPr lang="en-US"/>
           </a:p>
@@ -1078,7 +1079,7 @@
           <a:p>
             <a:fld id="{5BCAD085-E8A6-8845-BD4E-CB4CCA059FC4}" type="datetimeFigureOut">
               <a:rPr lang="en-US" smtClean="0"/>
-              <a:t>21/10/2024</a:t>
+              <a:t>23/10/2024</a:t>
             </a:fld>
             <a:endParaRPr lang="en-US"/>
           </a:p>
@@ -1366,7 +1367,7 @@
           <a:p>
             <a:fld id="{5BCAD085-E8A6-8845-BD4E-CB4CCA059FC4}" type="datetimeFigureOut">
               <a:rPr lang="en-US" smtClean="0"/>
-              <a:t>21/10/2024</a:t>
+              <a:t>23/10/2024</a:t>
             </a:fld>
             <a:endParaRPr lang="en-US"/>
           </a:p>
@@ -1788,7 +1789,7 @@
           <a:p>
             <a:fld id="{5BCAD085-E8A6-8845-BD4E-CB4CCA059FC4}" type="datetimeFigureOut">
               <a:rPr lang="en-US" smtClean="0"/>
-              <a:t>21/10/2024</a:t>
+              <a:t>23/10/2024</a:t>
             </a:fld>
             <a:endParaRPr lang="en-US"/>
           </a:p>
@@ -1906,7 +1907,7 @@
           <a:p>
             <a:fld id="{5BCAD085-E8A6-8845-BD4E-CB4CCA059FC4}" type="datetimeFigureOut">
               <a:rPr lang="en-US" smtClean="0"/>
-              <a:t>21/10/2024</a:t>
+              <a:t>23/10/2024</a:t>
             </a:fld>
             <a:endParaRPr lang="en-US"/>
           </a:p>
@@ -2001,7 +2002,7 @@
           <a:p>
             <a:fld id="{5BCAD085-E8A6-8845-BD4E-CB4CCA059FC4}" type="datetimeFigureOut">
               <a:rPr lang="en-US" smtClean="0"/>
-              <a:t>21/10/2024</a:t>
+              <a:t>23/10/2024</a:t>
             </a:fld>
             <a:endParaRPr lang="en-US"/>
           </a:p>
@@ -2278,7 +2279,7 @@
           <a:p>
             <a:fld id="{5BCAD085-E8A6-8845-BD4E-CB4CCA059FC4}" type="datetimeFigureOut">
               <a:rPr lang="en-US" smtClean="0"/>
-              <a:t>21/10/2024</a:t>
+              <a:t>23/10/2024</a:t>
             </a:fld>
             <a:endParaRPr lang="en-US"/>
           </a:p>
@@ -2531,7 +2532,7 @@
           <a:p>
             <a:fld id="{5BCAD085-E8A6-8845-BD4E-CB4CCA059FC4}" type="datetimeFigureOut">
               <a:rPr lang="en-US" smtClean="0"/>
-              <a:t>21/10/2024</a:t>
+              <a:t>23/10/2024</a:t>
             </a:fld>
             <a:endParaRPr lang="en-US"/>
           </a:p>
@@ -2744,7 +2745,7 @@
           <a:p>
             <a:fld id="{5BCAD085-E8A6-8845-BD4E-CB4CCA059FC4}" type="datetimeFigureOut">
               <a:rPr lang="en-US" smtClean="0"/>
-              <a:t>21/10/2024</a:t>
+              <a:t>23/10/2024</a:t>
             </a:fld>
             <a:endParaRPr lang="en-US"/>
           </a:p>
@@ -3223,6 +3224,104 @@
 </p:sld>
 </file>
 
+<file path=ppt/slides/slide10.xml><?xml version="1.0" encoding="utf-8"?>
+<p:sld xmlns:a="http://schemas.openxmlformats.org/drawingml/2006/main" xmlns:r="http://schemas.openxmlformats.org/officeDocument/2006/relationships" xmlns:p="http://schemas.openxmlformats.org/presentationml/2006/main">
+  <p:cSld>
+    <p:bg>
+      <p:bgPr>
+        <a:solidFill>
+          <a:srgbClr val="EAF2F8"/>
+        </a:solidFill>
+        <a:effectLst/>
+      </p:bgPr>
+    </p:bg>
+    <p:spTree>
+      <p:nvGrpSpPr>
+        <p:cNvPr id="1" name=""/>
+        <p:cNvGrpSpPr/>
+        <p:nvPr/>
+      </p:nvGrpSpPr>
+      <p:grpSpPr>
+        <a:xfrm>
+          <a:off x="0" y="0"/>
+          <a:ext cx="0" cy="0"/>
+          <a:chOff x="0" y="0"/>
+          <a:chExt cx="0" cy="0"/>
+        </a:xfrm>
+      </p:grpSpPr>
+      <p:sp>
+        <p:nvSpPr>
+          <p:cNvPr id="2" name="Title 1"/>
+          <p:cNvSpPr>
+            <a:spLocks noGrp="1"/>
+          </p:cNvSpPr>
+          <p:nvPr>
+            <p:ph type="title"/>
+          </p:nvPr>
+        </p:nvSpPr>
+        <p:spPr/>
+        <p:txBody>
+          <a:bodyPr/>
+          <a:lstStyle/>
+          <a:p>
+            <a:pPr algn="ctr">
+              <a:defRPr sz="3200" b="1">
+                <a:solidFill>
+                  <a:srgbClr val="1F497D"/>
+                </a:solidFill>
+              </a:defRPr>
+            </a:pPr>
+            <a:r>
+              <a:rPr lang="en-GB" dirty="0" smtClean="0"/>
+              <a:t>6</a:t>
+            </a:r>
+            <a:r>
+              <a:rPr dirty="0" smtClean="0"/>
+              <a:t>. </a:t>
+            </a:r>
+            <a:r>
+              <a:rPr dirty="0"/>
+              <a:t>Conclusion</a:t>
+            </a:r>
+          </a:p>
+        </p:txBody>
+      </p:sp>
+      <p:sp>
+        <p:nvSpPr>
+          <p:cNvPr id="3" name="Content Placeholder 2"/>
+          <p:cNvSpPr>
+            <a:spLocks noGrp="1"/>
+          </p:cNvSpPr>
+          <p:nvPr>
+            <p:ph idx="1"/>
+          </p:nvPr>
+        </p:nvSpPr>
+        <p:spPr/>
+        <p:txBody>
+          <a:bodyPr/>
+          <a:lstStyle/>
+          <a:p>
+            <a:pPr algn="l">
+              <a:defRPr sz="1800">
+                <a:solidFill>
+                  <a:srgbClr val="3C3C3C"/>
+                </a:solidFill>
+              </a:defRPr>
+            </a:pPr>
+            <a:r>
+              <a:t>The NTU Real-Time Bus ID Verification and Tracking system will revolutionize the university's transportation management. By integrating RFID-based verification, real-time bus tracking, and effective communication channels, the system will enhance safety, optimize bus usage, and improve overall operational efficiency. The project will address all existing challenges in the current system, providing a secure, transparent, and responsive solution that benefits students, parents, and administrators alike.</a:t>
+            </a:r>
+          </a:p>
+        </p:txBody>
+      </p:sp>
+    </p:spTree>
+  </p:cSld>
+  <p:clrMapOvr>
+    <a:masterClrMapping/>
+  </p:clrMapOvr>
+</p:sld>
+</file>
+
 <file path=ppt/slides/slide2.xml><?xml version="1.0" encoding="utf-8"?>
 <p:sld xmlns:a="http://schemas.openxmlformats.org/drawingml/2006/main" xmlns:r="http://schemas.openxmlformats.org/officeDocument/2006/relationships" xmlns:p="http://schemas.openxmlformats.org/presentationml/2006/main">
   <p:cSld>
@@ -4314,6 +4413,7 @@
               </a:defRPr>
             </a:pPr>
             <a:r>
+              <a:rPr dirty="0"/>
               <a:t>The system will leverage a modern and scalable technology stack to ensure efficiency and reliability:</a:t>
             </a:r>
           </a:p>
@@ -4325,7 +4425,7 @@
                 </a:solidFill>
               </a:defRPr>
             </a:pPr>
-            <a:endParaRPr/>
+            <a:endParaRPr dirty="0"/>
           </a:p>
           <a:p>
             <a:pPr algn="l">
@@ -4336,6 +4436,7 @@
               </a:defRPr>
             </a:pPr>
             <a:r>
+              <a:rPr dirty="0"/>
               <a:t>1. Firebase: Real-time data synchronization, user authentication, and cloud storage for seamless operation.</a:t>
             </a:r>
           </a:p>
@@ -4348,6 +4449,7 @@
               </a:defRPr>
             </a:pPr>
             <a:r>
+              <a:rPr dirty="0"/>
               <a:t>2. React.js and Next.js: To build a dynamic and responsive admin panel for managing routes, bus occupancy, and driver performance.</a:t>
             </a:r>
           </a:p>
@@ -4360,6 +4462,7 @@
               </a:defRPr>
             </a:pPr>
             <a:r>
+              <a:rPr dirty="0"/>
               <a:t>3. Flutter: For mobile application development, ensuring cross-platform compatibility on Android devices.</a:t>
             </a:r>
           </a:p>
@@ -4372,6 +4475,7 @@
               </a:defRPr>
             </a:pPr>
             <a:r>
+              <a:rPr dirty="0"/>
               <a:t>4. RFID Readers and Cards: For real-time student ID verification, enabling secure and efficient access to the transport system.</a:t>
             </a:r>
           </a:p>
@@ -4384,8 +4488,54 @@
               </a:defRPr>
             </a:pPr>
             <a:r>
-              <a:t>5. GPS and Mapping Technologies: Using Google Maps and MapBox for accurate live mapping and route tracking of buses.</a:t>
-            </a:r>
+              <a:rPr dirty="0"/>
+              <a:t>5. GPS and Mapping Technologies: Using Google Maps and </a:t>
+            </a:r>
+            <a:r>
+              <a:rPr dirty="0" err="1"/>
+              <a:t>MapBox</a:t>
+            </a:r>
+            <a:r>
+              <a:rPr dirty="0"/>
+              <a:t> for accurate live </a:t>
+            </a:r>
+            <a:r>
+              <a:rPr dirty="0" smtClean="0"/>
+              <a:t>mapping</a:t>
+            </a:r>
+            <a:r>
+              <a:rPr lang="en-US" dirty="0" smtClean="0"/>
+              <a:t>, </a:t>
+            </a:r>
+            <a:r>
+              <a:rPr dirty="0" smtClean="0"/>
+              <a:t>route </a:t>
+            </a:r>
+            <a:r>
+              <a:rPr dirty="0"/>
+              <a:t>tracking of </a:t>
+            </a:r>
+            <a:r>
+              <a:rPr dirty="0" smtClean="0"/>
+              <a:t>buses</a:t>
+            </a:r>
+            <a:r>
+              <a:rPr lang="en-US" dirty="0" smtClean="0"/>
+              <a:t> and turf </a:t>
+            </a:r>
+            <a:r>
+              <a:rPr lang="en-US" dirty="0" err="1" smtClean="0"/>
+              <a:t>js</a:t>
+            </a:r>
+            <a:r>
+              <a:rPr lang="en-US" dirty="0" smtClean="0"/>
+              <a:t> to alert the management if bus goes off route</a:t>
+            </a:r>
+            <a:r>
+              <a:rPr dirty="0" smtClean="0"/>
+              <a:t>.</a:t>
+            </a:r>
+            <a:endParaRPr lang="en-US" dirty="0" smtClean="0"/>
           </a:p>
         </p:txBody>
       </p:sp>
@@ -4422,177 +4572,72 @@
           <a:chExt cx="0" cy="0"/>
         </a:xfrm>
       </p:grpSpPr>
-      <p:sp>
-        <p:nvSpPr>
-          <p:cNvPr id="2" name="Title 1"/>
-          <p:cNvSpPr>
-            <a:spLocks noGrp="1"/>
-          </p:cNvSpPr>
-          <p:nvPr>
-            <p:ph type="title"/>
-          </p:nvPr>
-        </p:nvSpPr>
-        <p:spPr/>
-        <p:txBody>
-          <a:bodyPr/>
-          <a:lstStyle/>
-          <a:p>
-            <a:pPr algn="ctr">
-              <a:defRPr sz="3200" b="1">
-                <a:solidFill>
-                  <a:srgbClr val="1F497D"/>
-                </a:solidFill>
-              </a:defRPr>
-            </a:pPr>
-            <a:r>
-              <a:rPr lang="en-GB" dirty="0" smtClean="0"/>
-              <a:t>5</a:t>
-            </a:r>
-            <a:r>
-              <a:rPr dirty="0" smtClean="0"/>
-              <a:t>. </a:t>
-            </a:r>
-            <a:r>
-              <a:rPr dirty="0"/>
-              <a:t>Expected Outcomes</a:t>
-            </a:r>
-          </a:p>
-        </p:txBody>
-      </p:sp>
-      <p:sp>
-        <p:nvSpPr>
-          <p:cNvPr id="3" name="Content Placeholder 2"/>
-          <p:cNvSpPr>
-            <a:spLocks noGrp="1"/>
-          </p:cNvSpPr>
-          <p:nvPr>
-            <p:ph idx="1"/>
-          </p:nvPr>
-        </p:nvSpPr>
-        <p:spPr/>
-        <p:txBody>
-          <a:bodyPr/>
-          <a:lstStyle/>
-          <a:p>
-            <a:pPr marL="0" indent="0" algn="l">
-              <a:buNone/>
-              <a:defRPr sz="1800">
-                <a:solidFill>
-                  <a:srgbClr val="3C3C3C"/>
-                </a:solidFill>
-              </a:defRPr>
-            </a:pPr>
-            <a:r>
-              <a:rPr dirty="0"/>
-              <a:t>The successful implementation of this project is expected to deliver the following outcomes:</a:t>
-            </a:r>
-          </a:p>
-          <a:p>
-            <a:pPr algn="l">
-              <a:defRPr sz="1800">
-                <a:solidFill>
-                  <a:srgbClr val="3C3C3C"/>
-                </a:solidFill>
-              </a:defRPr>
-            </a:pPr>
-            <a:endParaRPr dirty="0"/>
-          </a:p>
-          <a:p>
-            <a:pPr algn="l">
-              <a:defRPr sz="1800">
-                <a:solidFill>
-                  <a:srgbClr val="3C3C3C"/>
-                </a:solidFill>
-              </a:defRPr>
-            </a:pPr>
-            <a:r>
-              <a:rPr dirty="0" smtClean="0"/>
-              <a:t>Enhanced </a:t>
-            </a:r>
-            <a:r>
-              <a:rPr dirty="0"/>
-              <a:t>security through real-time RFID student ID verification, preventing unauthorized access to buses.</a:t>
-            </a:r>
-          </a:p>
-          <a:p>
-            <a:pPr algn="l">
-              <a:defRPr sz="1800">
-                <a:solidFill>
-                  <a:srgbClr val="3C3C3C"/>
-                </a:solidFill>
-              </a:defRPr>
-            </a:pPr>
-            <a:r>
-              <a:rPr dirty="0" smtClean="0"/>
-              <a:t>Optimized </a:t>
-            </a:r>
-            <a:r>
-              <a:rPr dirty="0"/>
-              <a:t>bus capacity management by reducing overcrowding and preventing underutilization.</a:t>
-            </a:r>
-          </a:p>
-          <a:p>
-            <a:pPr algn="l">
-              <a:defRPr sz="1800">
-                <a:solidFill>
-                  <a:srgbClr val="3C3C3C"/>
-                </a:solidFill>
-              </a:defRPr>
-            </a:pPr>
-            <a:r>
-              <a:rPr dirty="0" smtClean="0"/>
-              <a:t>Improved </a:t>
-            </a:r>
-            <a:r>
-              <a:rPr dirty="0"/>
-              <a:t>communication with students and parents, ensuring they are informed about transport delays or route changes in real-time.</a:t>
-            </a:r>
-          </a:p>
-          <a:p>
-            <a:pPr algn="l">
-              <a:defRPr sz="1800">
-                <a:solidFill>
-                  <a:srgbClr val="3C3C3C"/>
-                </a:solidFill>
-              </a:defRPr>
-            </a:pPr>
-            <a:r>
-              <a:rPr lang="en-GB" dirty="0"/>
-              <a:t>I</a:t>
-            </a:r>
-            <a:r>
-              <a:rPr dirty="0" err="1" smtClean="0"/>
-              <a:t>ncreased</a:t>
-            </a:r>
-            <a:r>
-              <a:rPr dirty="0" smtClean="0"/>
-              <a:t> </a:t>
-            </a:r>
-            <a:r>
-              <a:rPr dirty="0"/>
-              <a:t>efficiency in transportation operations through live GPS tracking and driver performance monitoring.</a:t>
-            </a:r>
-          </a:p>
-          <a:p>
-            <a:pPr algn="l">
-              <a:defRPr sz="1800">
-                <a:solidFill>
-                  <a:srgbClr val="3C3C3C"/>
-                </a:solidFill>
-              </a:defRPr>
-            </a:pPr>
-            <a:r>
-              <a:rPr dirty="0" smtClean="0"/>
-              <a:t>Greater </a:t>
-            </a:r>
-            <a:r>
-              <a:rPr dirty="0"/>
-              <a:t>transparency and control for university administrators, allowing for better route and schedule planning.</a:t>
-            </a:r>
-          </a:p>
-        </p:txBody>
-      </p:sp>
+      <p:pic>
+        <p:nvPicPr>
+          <p:cNvPr id="2" name="Picture 1"/>
+          <p:cNvPicPr>
+            <a:picLocks noChangeAspect="1"/>
+          </p:cNvPicPr>
+          <p:nvPr/>
+        </p:nvPicPr>
+        <p:blipFill>
+          <a:blip r:embed="rId2">
+            <a:extLst>
+              <a:ext uri="{28A0092B-C50C-407E-A947-70E740481C1C}">
+                <a14:useLocalDpi xmlns:a14="http://schemas.microsoft.com/office/drawing/2010/main" val="0"/>
+              </a:ext>
+            </a:extLst>
+          </a:blip>
+          <a:stretch>
+            <a:fillRect/>
+          </a:stretch>
+        </p:blipFill>
+        <p:spPr>
+          <a:xfrm>
+            <a:off x="2157413" y="391176"/>
+            <a:ext cx="4829175" cy="3457575"/>
+          </a:xfrm>
+          <a:prstGeom prst="rect">
+            <a:avLst/>
+          </a:prstGeom>
+        </p:spPr>
+      </p:pic>
+      <p:pic>
+        <p:nvPicPr>
+          <p:cNvPr id="3" name="Picture 2"/>
+          <p:cNvPicPr>
+            <a:picLocks noChangeAspect="1"/>
+          </p:cNvPicPr>
+          <p:nvPr/>
+        </p:nvPicPr>
+        <p:blipFill>
+          <a:blip r:embed="rId3">
+            <a:extLst>
+              <a:ext uri="{28A0092B-C50C-407E-A947-70E740481C1C}">
+                <a14:useLocalDpi xmlns:a14="http://schemas.microsoft.com/office/drawing/2010/main" val="0"/>
+              </a:ext>
+            </a:extLst>
+          </a:blip>
+          <a:stretch>
+            <a:fillRect/>
+          </a:stretch>
+        </p:blipFill>
+        <p:spPr>
+          <a:xfrm>
+            <a:off x="2378242" y="3823301"/>
+            <a:ext cx="4387516" cy="3034699"/>
+          </a:xfrm>
+          <a:prstGeom prst="rect">
+            <a:avLst/>
+          </a:prstGeom>
+        </p:spPr>
+      </p:pic>
     </p:spTree>
+    <p:extLst>
+      <p:ext uri="{BB962C8B-B14F-4D97-AF65-F5344CB8AC3E}">
+        <p14:creationId xmlns:p14="http://schemas.microsoft.com/office/powerpoint/2010/main" val="1514276316"/>
+      </p:ext>
+    </p:extLst>
   </p:cSld>
   <p:clrMapOvr>
     <a:masterClrMapping/>
@@ -4649,7 +4694,7 @@
             </a:pPr>
             <a:r>
               <a:rPr lang="en-GB" dirty="0" smtClean="0"/>
-              <a:t>6</a:t>
+              <a:t>5</a:t>
             </a:r>
             <a:r>
               <a:rPr dirty="0" smtClean="0"/>
@@ -4657,7 +4702,7 @@
             </a:r>
             <a:r>
               <a:rPr dirty="0"/>
-              <a:t>Conclusion</a:t>
+              <a:t>Expected Outcomes</a:t>
             </a:r>
           </a:p>
         </p:txBody>
@@ -4677,6 +4722,20 @@
           <a:bodyPr/>
           <a:lstStyle/>
           <a:p>
+            <a:pPr marL="0" indent="0" algn="l">
+              <a:buNone/>
+              <a:defRPr sz="1800">
+                <a:solidFill>
+                  <a:srgbClr val="3C3C3C"/>
+                </a:solidFill>
+              </a:defRPr>
+            </a:pPr>
+            <a:r>
+              <a:rPr dirty="0"/>
+              <a:t>The successful implementation of this project is expected to deliver the following outcomes:</a:t>
+            </a:r>
+          </a:p>
+          <a:p>
             <a:pPr algn="l">
               <a:defRPr sz="1800">
                 <a:solidFill>
@@ -4684,8 +4743,99 @@
                 </a:solidFill>
               </a:defRPr>
             </a:pPr>
-            <a:r>
-              <a:t>The NTU Real-Time Bus ID Verification and Tracking system will revolutionize the university's transportation management. By integrating RFID-based verification, real-time bus tracking, and effective communication channels, the system will enhance safety, optimize bus usage, and improve overall operational efficiency. The project will address all existing challenges in the current system, providing a secure, transparent, and responsive solution that benefits students, parents, and administrators alike.</a:t>
+            <a:endParaRPr dirty="0"/>
+          </a:p>
+          <a:p>
+            <a:pPr algn="l">
+              <a:defRPr sz="1800">
+                <a:solidFill>
+                  <a:srgbClr val="3C3C3C"/>
+                </a:solidFill>
+              </a:defRPr>
+            </a:pPr>
+            <a:r>
+              <a:rPr dirty="0" smtClean="0"/>
+              <a:t>Enhanced </a:t>
+            </a:r>
+            <a:r>
+              <a:rPr dirty="0"/>
+              <a:t>security through real-time RFID student ID verification, preventing unauthorized access to buses.</a:t>
+            </a:r>
+          </a:p>
+          <a:p>
+            <a:pPr algn="l">
+              <a:defRPr sz="1800">
+                <a:solidFill>
+                  <a:srgbClr val="3C3C3C"/>
+                </a:solidFill>
+              </a:defRPr>
+            </a:pPr>
+            <a:r>
+              <a:rPr dirty="0" smtClean="0"/>
+              <a:t>Optimized </a:t>
+            </a:r>
+            <a:r>
+              <a:rPr dirty="0"/>
+              <a:t>bus capacity management by reducing overcrowding and preventing underutilization.</a:t>
+            </a:r>
+          </a:p>
+          <a:p>
+            <a:pPr algn="l">
+              <a:defRPr sz="1800">
+                <a:solidFill>
+                  <a:srgbClr val="3C3C3C"/>
+                </a:solidFill>
+              </a:defRPr>
+            </a:pPr>
+            <a:r>
+              <a:rPr dirty="0" smtClean="0"/>
+              <a:t>Improved </a:t>
+            </a:r>
+            <a:r>
+              <a:rPr dirty="0"/>
+              <a:t>communication with students and parents, ensuring they are informed about transport delays or route changes in real-time.</a:t>
+            </a:r>
+          </a:p>
+          <a:p>
+            <a:pPr algn="l">
+              <a:defRPr sz="1800">
+                <a:solidFill>
+                  <a:srgbClr val="3C3C3C"/>
+                </a:solidFill>
+              </a:defRPr>
+            </a:pPr>
+            <a:r>
+              <a:rPr lang="en-GB" dirty="0"/>
+              <a:t>I</a:t>
+            </a:r>
+            <a:r>
+              <a:rPr dirty="0" err="1" smtClean="0"/>
+              <a:t>ncreased</a:t>
+            </a:r>
+            <a:r>
+              <a:rPr dirty="0" smtClean="0"/>
+              <a:t> </a:t>
+            </a:r>
+            <a:r>
+              <a:rPr dirty="0"/>
+              <a:t>efficiency in transportation operations through live GPS tracking and driver performance monitoring.</a:t>
+            </a:r>
+          </a:p>
+          <a:p>
+            <a:pPr algn="l">
+              <a:defRPr sz="1800">
+                <a:solidFill>
+                  <a:srgbClr val="3C3C3C"/>
+                </a:solidFill>
+              </a:defRPr>
+            </a:pPr>
+            <a:r>
+              <a:rPr dirty="0" smtClean="0"/>
+              <a:t>Greater </a:t>
+            </a:r>
+            <a:r>
+              <a:rPr dirty="0"/>
+              <a:t>transparency and control for university administrators, allowing for better route and schedule planning.</a:t>
             </a:r>
           </a:p>
         </p:txBody>
